--- a/Linkfree Presentation.pptx
+++ b/Linkfree Presentation.pptx
@@ -2126,7 +2126,7 @@
       </p:pic>
       <p:pic>
         <p:nvPicPr>
-          <p:cNvPr id="100" name="Picture 99"/>
+          <p:cNvPr id="4" name="Picture 3"/>
           <p:cNvPicPr/>
           <p:nvPr/>
         </p:nvPicPr>
@@ -2138,18 +2138,40 @@
         </p:blipFill>
         <p:spPr>
           <a:xfrm>
-            <a:off x="107315" y="137160"/>
-            <a:ext cx="3023235" cy="1531620"/>
-          </a:xfrm>
-          <a:prstGeom prst="rect">
-            <a:avLst/>
-          </a:prstGeom>
-          <a:solidFill>
-            <a:schemeClr val="bg2"/>
-          </a:solidFill>
+            <a:off x="145415" y="131445"/>
+            <a:ext cx="2589530" cy="1524000"/>
+          </a:xfrm>
+          <a:prstGeom prst="roundRect">
+            <a:avLst/>
+          </a:prstGeom>
+          <a:noFill/>
           <a:ln w="9525">
             <a:noFill/>
           </a:ln>
+        </p:spPr>
+      </p:pic>
+      <p:pic>
+        <p:nvPicPr>
+          <p:cNvPr id="5" name="Picture 4" descr="IATC_DarkLogo"/>
+          <p:cNvPicPr>
+            <a:picLocks noChangeAspect="1"/>
+          </p:cNvPicPr>
+          <p:nvPr/>
+        </p:nvPicPr>
+        <p:blipFill>
+          <a:blip r:embed="rId4"/>
+          <a:stretch>
+            <a:fillRect/>
+          </a:stretch>
+        </p:blipFill>
+        <p:spPr>
+          <a:xfrm>
+            <a:off x="5928360" y="131445"/>
+            <a:ext cx="3054350" cy="1520190"/>
+          </a:xfrm>
+          <a:prstGeom prst="roundRect">
+            <a:avLst/>
+          </a:prstGeom>
         </p:spPr>
       </p:pic>
     </p:spTree>
@@ -2245,7 +2267,7 @@
         </p:blipFill>
         <p:spPr>
           <a:xfrm>
-            <a:off x="2713355" y="221615"/>
+            <a:off x="3603625" y="504825"/>
             <a:ext cx="2232025" cy="774065"/>
           </a:xfrm>
           <a:prstGeom prst="rect">
@@ -2255,7 +2277,7 @@
       </p:pic>
       <p:pic>
         <p:nvPicPr>
-          <p:cNvPr id="3" name="Picture 2"/>
+          <p:cNvPr id="4" name="Picture 3"/>
           <p:cNvPicPr/>
           <p:nvPr/>
         </p:nvPicPr>
@@ -2267,18 +2289,40 @@
         </p:blipFill>
         <p:spPr>
           <a:xfrm>
-            <a:off x="342900" y="221615"/>
-            <a:ext cx="1965960" cy="773430"/>
-          </a:xfrm>
-          <a:prstGeom prst="rect">
-            <a:avLst/>
-          </a:prstGeom>
-          <a:solidFill>
-            <a:schemeClr val="bg2"/>
-          </a:solidFill>
+            <a:off x="6202680" y="127635"/>
+            <a:ext cx="2589530" cy="1524000"/>
+          </a:xfrm>
+          <a:prstGeom prst="roundRect">
+            <a:avLst/>
+          </a:prstGeom>
+          <a:noFill/>
           <a:ln w="9525">
             <a:noFill/>
           </a:ln>
+        </p:spPr>
+      </p:pic>
+      <p:pic>
+        <p:nvPicPr>
+          <p:cNvPr id="5" name="Picture 4" descr="IATC_DarkLogo"/>
+          <p:cNvPicPr>
+            <a:picLocks noChangeAspect="1"/>
+          </p:cNvPicPr>
+          <p:nvPr/>
+        </p:nvPicPr>
+        <p:blipFill>
+          <a:blip r:embed="rId4"/>
+          <a:stretch>
+            <a:fillRect/>
+          </a:stretch>
+        </p:blipFill>
+        <p:spPr>
+          <a:xfrm>
+            <a:off x="182245" y="131445"/>
+            <a:ext cx="3054350" cy="1520190"/>
+          </a:xfrm>
+          <a:prstGeom prst="roundRect">
+            <a:avLst/>
+          </a:prstGeom>
         </p:spPr>
       </p:pic>
     </p:spTree>
@@ -2384,40 +2428,12 @@
       </p:pic>
       <p:pic>
         <p:nvPicPr>
-          <p:cNvPr id="100" name="Picture 99"/>
+          <p:cNvPr id="105" name="Picture 104"/>
           <p:cNvPicPr/>
           <p:nvPr/>
         </p:nvPicPr>
         <p:blipFill>
           <a:blip r:embed="rId3"/>
-          <a:stretch>
-            <a:fillRect/>
-          </a:stretch>
-        </p:blipFill>
-        <p:spPr>
-          <a:xfrm>
-            <a:off x="342900" y="221615"/>
-            <a:ext cx="1965960" cy="773430"/>
-          </a:xfrm>
-          <a:prstGeom prst="rect">
-            <a:avLst/>
-          </a:prstGeom>
-          <a:solidFill>
-            <a:schemeClr val="bg2"/>
-          </a:solidFill>
-          <a:ln w="9525">
-            <a:noFill/>
-          </a:ln>
-        </p:spPr>
-      </p:pic>
-      <p:pic>
-        <p:nvPicPr>
-          <p:cNvPr id="105" name="Picture 104"/>
-          <p:cNvPicPr/>
-          <p:nvPr/>
-        </p:nvPicPr>
-        <p:blipFill>
-          <a:blip r:embed="rId4"/>
           <a:stretch>
             <a:fillRect/>
           </a:stretch>
@@ -3095,34 +3111,6 @@
           </a:prstGeom>
         </p:spPr>
       </p:pic>
-      <p:pic>
-        <p:nvPicPr>
-          <p:cNvPr id="100" name="Picture 99"/>
-          <p:cNvPicPr/>
-          <p:nvPr/>
-        </p:nvPicPr>
-        <p:blipFill>
-          <a:blip r:embed="rId4"/>
-          <a:stretch>
-            <a:fillRect/>
-          </a:stretch>
-        </p:blipFill>
-        <p:spPr>
-          <a:xfrm>
-            <a:off x="342900" y="221615"/>
-            <a:ext cx="1965960" cy="773430"/>
-          </a:xfrm>
-          <a:prstGeom prst="rect">
-            <a:avLst/>
-          </a:prstGeom>
-          <a:solidFill>
-            <a:schemeClr val="bg2"/>
-          </a:solidFill>
-          <a:ln w="9525">
-            <a:noFill/>
-          </a:ln>
-        </p:spPr>
-      </p:pic>
     </p:spTree>
   </p:cSld>
   <p:clrMapOvr>
@@ -3259,34 +3247,6 @@
           <a:prstGeom prst="rect">
             <a:avLst/>
           </a:prstGeom>
-        </p:spPr>
-      </p:pic>
-      <p:pic>
-        <p:nvPicPr>
-          <p:cNvPr id="100" name="Picture 99"/>
-          <p:cNvPicPr/>
-          <p:nvPr/>
-        </p:nvPicPr>
-        <p:blipFill>
-          <a:blip r:embed="rId3"/>
-          <a:stretch>
-            <a:fillRect/>
-          </a:stretch>
-        </p:blipFill>
-        <p:spPr>
-          <a:xfrm>
-            <a:off x="342900" y="221615"/>
-            <a:ext cx="1965960" cy="773430"/>
-          </a:xfrm>
-          <a:prstGeom prst="rect">
-            <a:avLst/>
-          </a:prstGeom>
-          <a:solidFill>
-            <a:schemeClr val="bg2"/>
-          </a:solidFill>
-          <a:ln w="9525">
-            <a:noFill/>
-          </a:ln>
         </p:spPr>
       </p:pic>
       <p:sp>
@@ -3587,34 +3547,6 @@
           <a:prstGeom prst="rect">
             <a:avLst/>
           </a:prstGeom>
-        </p:spPr>
-      </p:pic>
-      <p:pic>
-        <p:nvPicPr>
-          <p:cNvPr id="100" name="Picture 99"/>
-          <p:cNvPicPr/>
-          <p:nvPr/>
-        </p:nvPicPr>
-        <p:blipFill>
-          <a:blip r:embed="rId3"/>
-          <a:stretch>
-            <a:fillRect/>
-          </a:stretch>
-        </p:blipFill>
-        <p:spPr>
-          <a:xfrm>
-            <a:off x="342900" y="221615"/>
-            <a:ext cx="1965960" cy="773430"/>
-          </a:xfrm>
-          <a:prstGeom prst="rect">
-            <a:avLst/>
-          </a:prstGeom>
-          <a:solidFill>
-            <a:schemeClr val="bg2"/>
-          </a:solidFill>
-          <a:ln w="9525">
-            <a:noFill/>
-          </a:ln>
         </p:spPr>
       </p:pic>
       <p:sp>
@@ -5292,34 +5224,6 @@
           </a:prstGeom>
         </p:spPr>
       </p:pic>
-      <p:pic>
-        <p:nvPicPr>
-          <p:cNvPr id="100" name="Picture 99"/>
-          <p:cNvPicPr/>
-          <p:nvPr/>
-        </p:nvPicPr>
-        <p:blipFill>
-          <a:blip r:embed="rId3"/>
-          <a:stretch>
-            <a:fillRect/>
-          </a:stretch>
-        </p:blipFill>
-        <p:spPr>
-          <a:xfrm>
-            <a:off x="342900" y="221615"/>
-            <a:ext cx="1965960" cy="773430"/>
-          </a:xfrm>
-          <a:prstGeom prst="rect">
-            <a:avLst/>
-          </a:prstGeom>
-          <a:solidFill>
-            <a:schemeClr val="bg2"/>
-          </a:solidFill>
-          <a:ln w="9525">
-            <a:noFill/>
-          </a:ln>
-        </p:spPr>
-      </p:pic>
       <p:sp>
         <p:nvSpPr>
           <p:cNvPr id="4" name="Text Box 3"/>
@@ -5617,34 +5521,6 @@
           <a:prstGeom prst="rect">
             <a:avLst/>
           </a:prstGeom>
-        </p:spPr>
-      </p:pic>
-      <p:pic>
-        <p:nvPicPr>
-          <p:cNvPr id="100" name="Picture 99"/>
-          <p:cNvPicPr/>
-          <p:nvPr/>
-        </p:nvPicPr>
-        <p:blipFill>
-          <a:blip r:embed="rId3"/>
-          <a:stretch>
-            <a:fillRect/>
-          </a:stretch>
-        </p:blipFill>
-        <p:spPr>
-          <a:xfrm>
-            <a:off x="342900" y="221615"/>
-            <a:ext cx="1965960" cy="773430"/>
-          </a:xfrm>
-          <a:prstGeom prst="rect">
-            <a:avLst/>
-          </a:prstGeom>
-          <a:solidFill>
-            <a:schemeClr val="bg2"/>
-          </a:solidFill>
-          <a:ln w="9525">
-            <a:noFill/>
-          </a:ln>
         </p:spPr>
       </p:pic>
       <p:sp>
